--- a/2016-09-14/PowerShell Jobs.pptx
+++ b/2016-09-14/PowerShell Jobs.pptx
@@ -6142,6 +6142,32 @@
               <a:t>Child instances of PowerShell run your command, and the data regarding the state and any returned information is stored in the job</a:t>
             </a:r>
           </a:p>
+          <a:p>
+            <a:pPr lvl="1"/>
+            <a:endParaRPr lang="en-US" dirty="0"/>
+          </a:p>
+          <a:p>
+            <a:pPr marL="231775" lvl="1" indent="0">
+              <a:buNone/>
+            </a:pPr>
+            <a:r>
+              <a:rPr lang="en-US" dirty="0"/>
+              <a:t>Follow along CODE: </a:t>
+            </a:r>
+            <a:r>
+              <a:rPr lang="en-US" dirty="0">
+                <a:hlinkClick r:id="rId2"/>
+              </a:rPr>
+              <a:t>https://github.com/pdxpowershell/PUGDemos</a:t>
+            </a:r>
+            <a:br>
+              <a:rPr lang="en-US" dirty="0"/>
+            </a:br>
+            <a:r>
+              <a:rPr lang="en-US" b="1" dirty="0"/>
+              <a:t>presentation.ps1</a:t>
+            </a:r>
+          </a:p>
         </p:txBody>
       </p:sp>
       <p:sp>
@@ -6569,7 +6595,7 @@
         </p:spPr>
         <p:txBody>
           <a:bodyPr>
-            <a:normAutofit/>
+            <a:normAutofit lnSpcReduction="10000"/>
           </a:bodyPr>
           <a:lstStyle/>
           <a:p>
@@ -6607,6 +6633,18 @@
             <a:r>
               <a:rPr lang="en-US" dirty="0"/>
               <a:t>Log the output </a:t>
+            </a:r>
+          </a:p>
+          <a:p>
+            <a:endParaRPr lang="en-US" dirty="0"/>
+          </a:p>
+          <a:p>
+            <a:pPr marL="0" indent="0">
+              <a:buNone/>
+            </a:pPr>
+            <a:r>
+              <a:rPr lang="en-US" dirty="0"/>
+              <a:t>CODE: https://github.com/pdxpowershell/PUGDemos</a:t>
             </a:r>
           </a:p>
         </p:txBody>
